--- a/Presentation/cer-candev.pptx
+++ b/Presentation/cer-candev.pptx
@@ -14,7 +14,6 @@
     <p:sldId id="258" r:id="rId7"/>
     <p:sldId id="259" r:id="rId8"/>
     <p:sldId id="260" r:id="rId9"/>
-    <p:sldId id="261" r:id="rId10"/>
   </p:sldIdLst>
   <p:sldSz cx="12192000" cy="6858000"/>
   <p:notesSz cx="6858000" cy="9144000"/>
@@ -144,7 +143,7 @@
               <a:rPr b="0" lang="en-CA" sz="1400" spc="-1" strike="noStrike">
                 <a:latin typeface="Times New Roman"/>
               </a:rPr>
-              <a:t>&lt;header&gt;</a:t>
+              <a:t> </a:t>
             </a:r>
             <a:endParaRPr b="0" lang="en-CA" sz="1400" spc="-1" strike="noStrike">
               <a:latin typeface="Times New Roman"/>
@@ -181,7 +180,7 @@
               <a:rPr b="0" lang="en-CA" sz="1400" spc="-1" strike="noStrike">
                 <a:latin typeface="Times New Roman"/>
               </a:rPr>
-              <a:t>&lt;date/time&gt;</a:t>
+              <a:t> </a:t>
             </a:r>
             <a:endParaRPr b="0" lang="en-CA" sz="1400" spc="-1" strike="noStrike">
               <a:latin typeface="Times New Roman"/>
@@ -217,7 +216,7 @@
               <a:rPr b="0" lang="en-CA" sz="1400" spc="-1" strike="noStrike">
                 <a:latin typeface="Times New Roman"/>
               </a:rPr>
-              <a:t>&lt;footer&gt;</a:t>
+              <a:t> </a:t>
             </a:r>
             <a:endParaRPr b="0" lang="en-CA" sz="1400" spc="-1" strike="noStrike">
               <a:latin typeface="Times New Roman"/>
@@ -250,11 +249,11 @@
           </a:bodyPr>
           <a:p>
             <a:pPr algn="r"/>
-            <a:fld id="{A5FE4DC4-73B1-4D01-88BA-4A8FFBB9D095}" type="slidenum">
+            <a:fld id="{25D45818-36DF-44F1-ACD4-1182E2816269}" type="slidenum">
               <a:rPr b="0" lang="en-CA" sz="1400" spc="-1" strike="noStrike">
                 <a:latin typeface="Times New Roman"/>
               </a:rPr>
-              <a:t>&lt;number&gt;</a:t>
+              <a:t>1</a:t>
             </a:fld>
             <a:endParaRPr b="0" lang="en-CA" sz="1400" spc="-1" strike="noStrike">
               <a:latin typeface="Times New Roman"/>
@@ -287,7 +286,7 @@
       </p:grpSpPr>
       <p:sp>
         <p:nvSpPr>
-          <p:cNvPr id="102" name="PlaceHolder 1"/>
+          <p:cNvPr id="99" name="PlaceHolder 1"/>
           <p:cNvSpPr>
             <a:spLocks noGrp="1"/>
           </p:cNvSpPr>
@@ -307,7 +306,7 @@
       </p:sp>
       <p:sp>
         <p:nvSpPr>
-          <p:cNvPr id="103" name="PlaceHolder 2"/>
+          <p:cNvPr id="100" name="PlaceHolder 2"/>
           <p:cNvSpPr>
             <a:spLocks noGrp="1"/>
           </p:cNvSpPr>
@@ -337,7 +336,7 @@
       </p:sp>
       <p:sp>
         <p:nvSpPr>
-          <p:cNvPr id="104" name="TextShape 3"/>
+          <p:cNvPr id="101" name="TextShape 3"/>
           <p:cNvSpPr txBox="1"/>
           <p:nvPr/>
         </p:nvSpPr>
@@ -364,7 +363,7 @@
                 <a:spcPct val="100000"/>
               </a:lnSpc>
             </a:pPr>
-            <a:fld id="{EA6048BD-210B-4F02-9539-8909048B317C}" type="slidenum">
+            <a:fld id="{9DF48B5F-229F-458E-AE54-594A50791129}" type="slidenum">
               <a:rPr b="0" lang="en-CA" sz="1200" spc="-1" strike="noStrike">
                 <a:solidFill>
                   <a:srgbClr val="000000"/>
@@ -3344,7 +3343,7 @@
                 </a:solidFill>
                 <a:latin typeface="Arial Black"/>
               </a:rPr>
-              <a:t>C</a:t>
+              <a:t>Click to edit </a:t>
             </a:r>
             <a:r>
               <a:rPr b="0" lang="en-US" sz="5400" spc="97" strike="noStrike">
@@ -3353,7 +3352,7 @@
                 </a:solidFill>
                 <a:latin typeface="Arial Black"/>
               </a:rPr>
-              <a:t>l</a:t>
+              <a:t>Master title </a:t>
             </a:r>
             <a:r>
               <a:rPr b="0" lang="en-US" sz="5400" spc="97" strike="noStrike">
@@ -3362,250 +3361,7 @@
                 </a:solidFill>
                 <a:latin typeface="Arial Black"/>
               </a:rPr>
-              <a:t>i</a:t>
-            </a:r>
-            <a:r>
-              <a:rPr b="0" lang="en-US" sz="5400" spc="97" strike="noStrike">
-                <a:solidFill>
-                  <a:srgbClr val="ffffff"/>
-                </a:solidFill>
-                <a:latin typeface="Arial Black"/>
-              </a:rPr>
-              <a:t>c</a:t>
-            </a:r>
-            <a:r>
-              <a:rPr b="0" lang="en-US" sz="5400" spc="97" strike="noStrike">
-                <a:solidFill>
-                  <a:srgbClr val="ffffff"/>
-                </a:solidFill>
-                <a:latin typeface="Arial Black"/>
-              </a:rPr>
-              <a:t>k</a:t>
-            </a:r>
-            <a:r>
-              <a:rPr b="0" lang="en-US" sz="5400" spc="97" strike="noStrike">
-                <a:solidFill>
-                  <a:srgbClr val="ffffff"/>
-                </a:solidFill>
-                <a:latin typeface="Arial Black"/>
-              </a:rPr>
-              <a:t> </a:t>
-            </a:r>
-            <a:r>
-              <a:rPr b="0" lang="en-US" sz="5400" spc="97" strike="noStrike">
-                <a:solidFill>
-                  <a:srgbClr val="ffffff"/>
-                </a:solidFill>
-                <a:latin typeface="Arial Black"/>
-              </a:rPr>
-              <a:t>t</a:t>
-            </a:r>
-            <a:r>
-              <a:rPr b="0" lang="en-US" sz="5400" spc="97" strike="noStrike">
-                <a:solidFill>
-                  <a:srgbClr val="ffffff"/>
-                </a:solidFill>
-                <a:latin typeface="Arial Black"/>
-              </a:rPr>
-              <a:t>o</a:t>
-            </a:r>
-            <a:r>
-              <a:rPr b="0" lang="en-US" sz="5400" spc="97" strike="noStrike">
-                <a:solidFill>
-                  <a:srgbClr val="ffffff"/>
-                </a:solidFill>
-                <a:latin typeface="Arial Black"/>
-              </a:rPr>
-              <a:t> </a:t>
-            </a:r>
-            <a:r>
-              <a:rPr b="0" lang="en-US" sz="5400" spc="97" strike="noStrike">
-                <a:solidFill>
-                  <a:srgbClr val="ffffff"/>
-                </a:solidFill>
-                <a:latin typeface="Arial Black"/>
-              </a:rPr>
-              <a:t>e</a:t>
-            </a:r>
-            <a:r>
-              <a:rPr b="0" lang="en-US" sz="5400" spc="97" strike="noStrike">
-                <a:solidFill>
-                  <a:srgbClr val="ffffff"/>
-                </a:solidFill>
-                <a:latin typeface="Arial Black"/>
-              </a:rPr>
-              <a:t>d</a:t>
-            </a:r>
-            <a:r>
-              <a:rPr b="0" lang="en-US" sz="5400" spc="97" strike="noStrike">
-                <a:solidFill>
-                  <a:srgbClr val="ffffff"/>
-                </a:solidFill>
-                <a:latin typeface="Arial Black"/>
-              </a:rPr>
-              <a:t>i</a:t>
-            </a:r>
-            <a:r>
-              <a:rPr b="0" lang="en-US" sz="5400" spc="97" strike="noStrike">
-                <a:solidFill>
-                  <a:srgbClr val="ffffff"/>
-                </a:solidFill>
-                <a:latin typeface="Arial Black"/>
-              </a:rPr>
-              <a:t>t </a:t>
-            </a:r>
-            <a:r>
-              <a:rPr b="0" lang="en-US" sz="5400" spc="97" strike="noStrike">
-                <a:solidFill>
-                  <a:srgbClr val="ffffff"/>
-                </a:solidFill>
-                <a:latin typeface="Arial Black"/>
-              </a:rPr>
-              <a:t>M</a:t>
-            </a:r>
-            <a:r>
-              <a:rPr b="0" lang="en-US" sz="5400" spc="97" strike="noStrike">
-                <a:solidFill>
-                  <a:srgbClr val="ffffff"/>
-                </a:solidFill>
-                <a:latin typeface="Arial Black"/>
-              </a:rPr>
-              <a:t>a</a:t>
-            </a:r>
-            <a:r>
-              <a:rPr b="0" lang="en-US" sz="5400" spc="97" strike="noStrike">
-                <a:solidFill>
-                  <a:srgbClr val="ffffff"/>
-                </a:solidFill>
-                <a:latin typeface="Arial Black"/>
-              </a:rPr>
-              <a:t>s</a:t>
-            </a:r>
-            <a:r>
-              <a:rPr b="0" lang="en-US" sz="5400" spc="97" strike="noStrike">
-                <a:solidFill>
-                  <a:srgbClr val="ffffff"/>
-                </a:solidFill>
-                <a:latin typeface="Arial Black"/>
-              </a:rPr>
-              <a:t>t</a:t>
-            </a:r>
-            <a:r>
-              <a:rPr b="0" lang="en-US" sz="5400" spc="97" strike="noStrike">
-                <a:solidFill>
-                  <a:srgbClr val="ffffff"/>
-                </a:solidFill>
-                <a:latin typeface="Arial Black"/>
-              </a:rPr>
-              <a:t>e</a:t>
-            </a:r>
-            <a:r>
-              <a:rPr b="0" lang="en-US" sz="5400" spc="97" strike="noStrike">
-                <a:solidFill>
-                  <a:srgbClr val="ffffff"/>
-                </a:solidFill>
-                <a:latin typeface="Arial Black"/>
-              </a:rPr>
-              <a:t>r </a:t>
-            </a:r>
-            <a:r>
-              <a:rPr b="0" lang="en-US" sz="5400" spc="97" strike="noStrike">
-                <a:solidFill>
-                  <a:srgbClr val="ffffff"/>
-                </a:solidFill>
-                <a:latin typeface="Arial Black"/>
-              </a:rPr>
-              <a:t>t</a:t>
-            </a:r>
-            <a:r>
-              <a:rPr b="0" lang="en-US" sz="5400" spc="97" strike="noStrike">
-                <a:solidFill>
-                  <a:srgbClr val="ffffff"/>
-                </a:solidFill>
-                <a:latin typeface="Arial Black"/>
-              </a:rPr>
-              <a:t>i</a:t>
-            </a:r>
-            <a:r>
-              <a:rPr b="0" lang="en-US" sz="5400" spc="97" strike="noStrike">
-                <a:solidFill>
-                  <a:srgbClr val="ffffff"/>
-                </a:solidFill>
-                <a:latin typeface="Arial Black"/>
-              </a:rPr>
-              <a:t>t</a:t>
-            </a:r>
-            <a:r>
-              <a:rPr b="0" lang="en-US" sz="5400" spc="97" strike="noStrike">
-                <a:solidFill>
-                  <a:srgbClr val="ffffff"/>
-                </a:solidFill>
-                <a:latin typeface="Arial Black"/>
-              </a:rPr>
-              <a:t>l</a:t>
-            </a:r>
-            <a:r>
-              <a:rPr b="0" lang="en-US" sz="5400" spc="97" strike="noStrike">
-                <a:solidFill>
-                  <a:srgbClr val="ffffff"/>
-                </a:solidFill>
-                <a:latin typeface="Arial Black"/>
-              </a:rPr>
-              <a:t>e</a:t>
-            </a:r>
-            <a:r>
-              <a:rPr b="0" lang="en-US" sz="5400" spc="97" strike="noStrike">
-                <a:solidFill>
-                  <a:srgbClr val="ffffff"/>
-                </a:solidFill>
-                <a:latin typeface="Arial Black"/>
-              </a:rPr>
-              <a:t> </a:t>
-            </a:r>
-            <a:r>
-              <a:rPr b="0" lang="en-US" sz="5400" spc="97" strike="noStrike">
-                <a:solidFill>
-                  <a:srgbClr val="ffffff"/>
-                </a:solidFill>
-                <a:latin typeface="Arial Black"/>
-              </a:rPr>
-              <a:t>s</a:t>
-            </a:r>
-            <a:r>
-              <a:rPr b="0" lang="en-US" sz="5400" spc="97" strike="noStrike">
-                <a:solidFill>
-                  <a:srgbClr val="ffffff"/>
-                </a:solidFill>
-                <a:latin typeface="Arial Black"/>
-              </a:rPr>
-              <a:t>t</a:t>
-            </a:r>
-            <a:r>
-              <a:rPr b="0" lang="en-US" sz="5400" spc="97" strike="noStrike">
-                <a:solidFill>
-                  <a:srgbClr val="ffffff"/>
-                </a:solidFill>
-                <a:latin typeface="Arial Black"/>
-              </a:rPr>
-              <a:t>y</a:t>
-            </a:r>
-            <a:r>
-              <a:rPr b="0" lang="en-US" sz="5400" spc="97" strike="noStrike">
-                <a:solidFill>
-                  <a:srgbClr val="ffffff"/>
-                </a:solidFill>
-                <a:latin typeface="Arial Black"/>
-              </a:rPr>
-              <a:t>l</a:t>
-            </a:r>
-            <a:r>
-              <a:rPr b="0" lang="en-US" sz="5400" spc="97" strike="noStrike">
-                <a:solidFill>
-                  <a:srgbClr val="ffffff"/>
-                </a:solidFill>
-                <a:latin typeface="Arial Black"/>
-              </a:rPr>
-              <a:t>e</a:t>
+              <a:t>style</a:t>
             </a:r>
             <a:endParaRPr b="0" lang="en-US" sz="5400" spc="-1" strike="noStrike">
               <a:solidFill>
@@ -4141,14 +3897,14 @@
                 <a:spcPct val="100000"/>
               </a:lnSpc>
             </a:pPr>
-            <a:fld id="{5F77CF87-7115-4FB9-9BE7-16CD8D479888}" type="slidenum">
+            <a:fld id="{661E5E62-B0AC-495A-8958-26C8E64E5F14}" type="slidenum">
               <a:rPr b="1" lang="en-CA" sz="1000" spc="-1" strike="noStrike">
                 <a:solidFill>
                   <a:srgbClr val="ffffff"/>
                 </a:solidFill>
                 <a:latin typeface="Calibri"/>
               </a:rPr>
-              <a:t>&lt;number&gt;</a:t>
+              <a:t>1</a:t>
             </a:fld>
             <a:endParaRPr b="0" lang="en-CA" sz="1000" spc="-1" strike="noStrike">
               <a:latin typeface="Times New Roman"/>
@@ -4639,14 +4395,14 @@
                 <a:spcPct val="100000"/>
               </a:lnSpc>
             </a:pPr>
-            <a:fld id="{A4763443-D23A-44B7-9323-F0D80E8E2BBB}" type="slidenum">
+            <a:fld id="{43FB7A6F-9D7C-4CEF-9F62-9C3980F13E45}" type="slidenum">
               <a:rPr b="1" lang="en-CA" sz="1000" spc="-1" strike="noStrike">
                 <a:solidFill>
                   <a:srgbClr val="ffffff"/>
                 </a:solidFill>
                 <a:latin typeface="Calibri"/>
               </a:rPr>
-              <a:t>&lt;number&gt;</a:t>
+              <a:t>1</a:t>
             </a:fld>
             <a:endParaRPr b="0" lang="en-CA" sz="1000" spc="-1" strike="noStrike">
               <a:latin typeface="Times New Roman"/>
@@ -4784,14 +4540,14 @@
                 <a:spcPct val="100000"/>
               </a:lnSpc>
             </a:pPr>
-            <a:fld id="{95BF34D5-5BCA-4AFB-8537-474EEA1A26FF}" type="slidenum">
+            <a:fld id="{B2D2F79D-4815-403C-B71C-2ACEAD66A204}" type="slidenum">
               <a:rPr b="1" lang="en-CA" sz="1000" spc="-1" strike="noStrike">
                 <a:solidFill>
                   <a:srgbClr val="ffffff"/>
                 </a:solidFill>
                 <a:latin typeface="Calibri"/>
               </a:rPr>
-              <a:t>&lt;number&gt;</a:t>
+              <a:t>1</a:t>
             </a:fld>
             <a:endParaRPr b="0" lang="en-CA" sz="1000" spc="-1" strike="noStrike">
               <a:latin typeface="Times New Roman"/>
@@ -4888,8 +4644,8 @@
         </p:nvSpPr>
         <p:spPr>
           <a:xfrm>
-            <a:off x="746640" y="1750680"/>
-            <a:ext cx="10615320" cy="4122720"/>
+            <a:off x="746640" y="1008000"/>
+            <a:ext cx="3213360" cy="648000"/>
           </a:xfrm>
           <a:prstGeom prst="rect">
             <a:avLst/>
@@ -4919,8 +4675,26 @@
                 </a:solidFill>
                 <a:latin typeface="Arial Black"/>
               </a:rPr>
-              <a:t>Demo</a:t>
+              <a:t>Methodology</a:t>
             </a:r>
+            <a:endParaRPr b="0" lang="en-US" sz="2800" spc="-1" strike="noStrike">
+              <a:solidFill>
+                <a:srgbClr val="000000"/>
+              </a:solidFill>
+              <a:latin typeface="Calibri"/>
+            </a:endParaRPr>
+          </a:p>
+          <a:p>
+            <a:pPr marL="180000" indent="-179640">
+              <a:spcBef>
+                <a:spcPts val="1417"/>
+              </a:spcBef>
+              <a:buClr>
+                <a:srgbClr val="c00000"/>
+              </a:buClr>
+              <a:buFont typeface="Arial"/>
+              <a:buChar char="•"/>
+            </a:pPr>
             <a:endParaRPr b="0" lang="en-US" sz="2800" spc="-1" strike="noStrike">
               <a:solidFill>
                 <a:srgbClr val="000000"/>
@@ -5003,14 +4777,14 @@
                 <a:spcPct val="100000"/>
               </a:lnSpc>
             </a:pPr>
-            <a:fld id="{627EB7BF-A3DA-4E67-8D1A-53BAD02862A1}" type="slidenum">
+            <a:fld id="{B9D434BB-1DE8-4921-BDF4-D352A4EA8CC8}" type="slidenum">
               <a:rPr b="1" lang="en-CA" sz="1000" spc="-1" strike="noStrike">
                 <a:solidFill>
                   <a:srgbClr val="ffffff"/>
                 </a:solidFill>
                 <a:latin typeface="Calibri"/>
               </a:rPr>
-              <a:t>&lt;number&gt;</a:t>
+              <a:t>1</a:t>
             </a:fld>
             <a:endParaRPr b="0" lang="en-CA" sz="1000" spc="-1" strike="noStrike">
               <a:latin typeface="Times New Roman"/>
@@ -5018,6 +4792,29 @@
           </a:p>
         </p:txBody>
       </p:sp>
+      <p:pic>
+        <p:nvPicPr>
+          <p:cNvPr id="95" name="" descr=""/>
+          <p:cNvPicPr/>
+          <p:nvPr/>
+        </p:nvPicPr>
+        <p:blipFill>
+          <a:blip r:embed="rId1"/>
+          <a:stretch/>
+        </p:blipFill>
+        <p:spPr>
+          <a:xfrm>
+            <a:off x="4500000" y="1306440"/>
+            <a:ext cx="7308000" cy="2365560"/>
+          </a:xfrm>
+          <a:prstGeom prst="rect">
+            <a:avLst/>
+          </a:prstGeom>
+          <a:ln>
+            <a:noFill/>
+          </a:ln>
+        </p:spPr>
+      </p:pic>
     </p:spTree>
   </p:cSld>
   <mc:AlternateContent>
@@ -5077,14 +4874,14 @@
       </p:grpSpPr>
       <p:sp>
         <p:nvSpPr>
-          <p:cNvPr id="95" name="TextShape 1"/>
+          <p:cNvPr id="96" name="TextShape 1"/>
           <p:cNvSpPr txBox="1"/>
           <p:nvPr/>
         </p:nvSpPr>
         <p:spPr>
           <a:xfrm>
-            <a:off x="746640" y="1008000"/>
-            <a:ext cx="3213360" cy="648000"/>
+            <a:off x="746640" y="1426680"/>
+            <a:ext cx="10615320" cy="4122720"/>
           </a:xfrm>
           <a:prstGeom prst="rect">
             <a:avLst/>
@@ -5114,7 +4911,7 @@
                 </a:solidFill>
                 <a:latin typeface="Arial Black"/>
               </a:rPr>
-              <a:t>Methodology</a:t>
+              <a:t>Additional / Future Features</a:t>
             </a:r>
             <a:endParaRPr b="0" lang="en-US" sz="2800" spc="-1" strike="noStrike">
               <a:solidFill>
@@ -5134,18 +4931,81 @@
               <a:buFont typeface="Arial"/>
               <a:buChar char="•"/>
             </a:pPr>
-            <a:endParaRPr b="0" lang="en-US" sz="2800" spc="-1" strike="noStrike">
-              <a:solidFill>
-                <a:srgbClr val="000000"/>
-              </a:solidFill>
-              <a:latin typeface="Calibri"/>
-            </a:endParaRPr>
-          </a:p>
-        </p:txBody>
-      </p:sp>
-      <p:sp>
-        <p:nvSpPr>
-          <p:cNvPr id="96" name="TextShape 2"/>
+            <a:r>
+              <a:rPr b="0" lang="en-US" sz="2800" spc="-1" strike="noStrike">
+                <a:solidFill>
+                  <a:srgbClr val="000000"/>
+                </a:solidFill>
+                <a:latin typeface="Calibri"/>
+              </a:rPr>
+              <a:t>Ranking of most urgent standards to comply with.</a:t>
+            </a:r>
+            <a:endParaRPr b="0" lang="en-US" sz="2800" spc="-1" strike="noStrike">
+              <a:solidFill>
+                <a:srgbClr val="000000"/>
+              </a:solidFill>
+              <a:latin typeface="Calibri"/>
+            </a:endParaRPr>
+          </a:p>
+          <a:p>
+            <a:pPr marL="180000" indent="-179640">
+              <a:spcBef>
+                <a:spcPts val="1417"/>
+              </a:spcBef>
+              <a:buClr>
+                <a:srgbClr val="c00000"/>
+              </a:buClr>
+              <a:buFont typeface="Arial"/>
+              <a:buChar char="•"/>
+            </a:pPr>
+            <a:r>
+              <a:rPr b="0" lang="en-US" sz="2800" spc="-1" strike="noStrike">
+                <a:solidFill>
+                  <a:srgbClr val="000000"/>
+                </a:solidFill>
+                <a:latin typeface="Calibri"/>
+              </a:rPr>
+              <a:t>Risk assessment based on power contribution to the grid</a:t>
+            </a:r>
+            <a:endParaRPr b="0" lang="en-US" sz="2800" spc="-1" strike="noStrike">
+              <a:solidFill>
+                <a:srgbClr val="000000"/>
+              </a:solidFill>
+              <a:latin typeface="Calibri"/>
+            </a:endParaRPr>
+          </a:p>
+          <a:p>
+            <a:pPr marL="180000" indent="-179640">
+              <a:spcBef>
+                <a:spcPts val="1417"/>
+              </a:spcBef>
+              <a:buClr>
+                <a:srgbClr val="c00000"/>
+              </a:buClr>
+              <a:buFont typeface="Arial"/>
+              <a:buChar char="•"/>
+            </a:pPr>
+            <a:r>
+              <a:rPr b="0" lang="en-US" sz="2800" spc="-1" strike="noStrike">
+                <a:solidFill>
+                  <a:srgbClr val="000000"/>
+                </a:solidFill>
+                <a:latin typeface="Calibri"/>
+              </a:rPr>
+              <a:t>Geographic mapping of impact of failure due to Cyber attack</a:t>
+            </a:r>
+            <a:endParaRPr b="0" lang="en-US" sz="2800" spc="-1" strike="noStrike">
+              <a:solidFill>
+                <a:srgbClr val="000000"/>
+              </a:solidFill>
+              <a:latin typeface="Calibri"/>
+            </a:endParaRPr>
+          </a:p>
+        </p:txBody>
+      </p:sp>
+      <p:sp>
+        <p:nvSpPr>
+          <p:cNvPr id="97" name="TextShape 2"/>
           <p:cNvSpPr txBox="1"/>
           <p:nvPr/>
         </p:nvSpPr>
@@ -5189,7 +5049,7 @@
       </p:sp>
       <p:sp>
         <p:nvSpPr>
-          <p:cNvPr id="97" name="TextShape 3"/>
+          <p:cNvPr id="98" name="TextShape 3"/>
           <p:cNvSpPr txBox="1"/>
           <p:nvPr/>
         </p:nvSpPr>
@@ -5216,14 +5076,14 @@
                 <a:spcPct val="100000"/>
               </a:lnSpc>
             </a:pPr>
-            <a:fld id="{D33B4827-7E77-4110-A459-208674EA12E3}" type="slidenum">
+            <a:fld id="{0E898E16-66EA-47A5-807B-7B5C937B4FD0}" type="slidenum">
               <a:rPr b="1" lang="en-CA" sz="1000" spc="-1" strike="noStrike">
                 <a:solidFill>
                   <a:srgbClr val="ffffff"/>
                 </a:solidFill>
                 <a:latin typeface="Calibri"/>
               </a:rPr>
-              <a:t>&lt;number&gt;</a:t>
+              <a:t>1</a:t>
             </a:fld>
             <a:endParaRPr b="0" lang="en-CA" sz="1000" spc="-1" strike="noStrike">
               <a:latin typeface="Times New Roman"/>
@@ -5231,29 +5091,6 @@
           </a:p>
         </p:txBody>
       </p:sp>
-      <p:pic>
-        <p:nvPicPr>
-          <p:cNvPr id="98" name="" descr=""/>
-          <p:cNvPicPr/>
-          <p:nvPr/>
-        </p:nvPicPr>
-        <p:blipFill>
-          <a:blip r:embed="rId1"/>
-          <a:stretch/>
-        </p:blipFill>
-        <p:spPr>
-          <a:xfrm>
-            <a:off x="4500000" y="1306440"/>
-            <a:ext cx="7308000" cy="2365560"/>
-          </a:xfrm>
-          <a:prstGeom prst="rect">
-            <a:avLst/>
-          </a:prstGeom>
-          <a:ln>
-            <a:noFill/>
-          </a:ln>
-        </p:spPr>
-      </p:pic>
     </p:spTree>
   </p:cSld>
   <mc:AlternateContent>
@@ -5271,282 +5108,6 @@
           <p:childTnLst>
             <p:seq>
               <p:cTn id="10" dur="indefinite" nodeType="mainSeq"/>
-              <p:prevCondLst>
-                <p:cond delay="0" evt="onPrev">
-                  <p:tgtEl>
-                    <p:sldTgt/>
-                  </p:tgtEl>
-                </p:cond>
-              </p:prevCondLst>
-              <p:nextCondLst>
-                <p:cond delay="0" evt="onNext">
-                  <p:tgtEl>
-                    <p:sldTgt/>
-                  </p:tgtEl>
-                </p:cond>
-              </p:nextCondLst>
-            </p:seq>
-          </p:childTnLst>
-        </p:cTn>
-      </p:par>
-    </p:tnLst>
-  </p:timing>
-</p:sld>
-</file>
-
-<file path=ppt/slides/slide6.xml><?xml version="1.0" encoding="utf-8"?>
-<p:sld xmlns:a="http://schemas.openxmlformats.org/drawingml/2006/main" xmlns:p="http://schemas.openxmlformats.org/presentationml/2006/main" xmlns:r="http://schemas.openxmlformats.org/officeDocument/2006/relationships" xmlns:p14="http://schemas.microsoft.com/office/powerpoint/2010/main" xmlns:p15="http://schemas.microsoft.com/office/powerpoint/2012/main" xmlns:mc="http://schemas.openxmlformats.org/markup-compatibility/2006">
-  <p:cSld>
-    <p:spTree>
-      <p:nvGrpSpPr>
-        <p:cNvPr id="1" name=""/>
-        <p:cNvGrpSpPr/>
-        <p:nvPr/>
-      </p:nvGrpSpPr>
-      <p:grpSpPr>
-        <a:xfrm>
-          <a:off x="0" y="0"/>
-          <a:ext cx="0" cy="0"/>
-          <a:chOff x="0" y="0"/>
-          <a:chExt cx="0" cy="0"/>
-        </a:xfrm>
-      </p:grpSpPr>
-      <p:sp>
-        <p:nvSpPr>
-          <p:cNvPr id="99" name="TextShape 1"/>
-          <p:cNvSpPr txBox="1"/>
-          <p:nvPr/>
-        </p:nvSpPr>
-        <p:spPr>
-          <a:xfrm>
-            <a:off x="746640" y="1008000"/>
-            <a:ext cx="10615320" cy="4122720"/>
-          </a:xfrm>
-          <a:prstGeom prst="rect">
-            <a:avLst/>
-          </a:prstGeom>
-          <a:noFill/>
-          <a:ln>
-            <a:noFill/>
-          </a:ln>
-        </p:spPr>
-        <p:txBody>
-          <a:bodyPr lIns="90000" rIns="90000" tIns="45000" bIns="45000">
-            <a:noAutofit/>
-          </a:bodyPr>
-          <a:p>
-            <a:pPr>
-              <a:lnSpc>
-                <a:spcPct val="100000"/>
-              </a:lnSpc>
-              <a:spcAft>
-                <a:spcPts val="499"/>
-              </a:spcAft>
-            </a:pPr>
-            <a:r>
-              <a:rPr b="0" lang="en-US" sz="2800" spc="-1" strike="noStrike">
-                <a:solidFill>
-                  <a:srgbClr val="808080"/>
-                </a:solidFill>
-                <a:latin typeface="Arial Black"/>
-              </a:rPr>
-              <a:t>2015, Ukraine</a:t>
-            </a:r>
-            <a:endParaRPr b="0" lang="en-US" sz="2800" spc="-1" strike="noStrike">
-              <a:solidFill>
-                <a:srgbClr val="000000"/>
-              </a:solidFill>
-              <a:latin typeface="Calibri"/>
-            </a:endParaRPr>
-          </a:p>
-          <a:p>
-            <a:pPr marL="180000" indent="-179640">
-              <a:spcBef>
-                <a:spcPts val="1417"/>
-              </a:spcBef>
-              <a:buClr>
-                <a:srgbClr val="c00000"/>
-              </a:buClr>
-              <a:buFont typeface="Arial"/>
-              <a:buChar char="•"/>
-            </a:pPr>
-            <a:r>
-              <a:rPr b="0" lang="en-US" sz="2800" spc="-1" strike="noStrike">
-                <a:solidFill>
-                  <a:srgbClr val="000000"/>
-                </a:solidFill>
-                <a:latin typeface="Calibri"/>
-              </a:rPr>
-              <a:t>First known successful cyber attack on a power grid.</a:t>
-            </a:r>
-            <a:endParaRPr b="0" lang="en-US" sz="2800" spc="-1" strike="noStrike">
-              <a:solidFill>
-                <a:srgbClr val="000000"/>
-              </a:solidFill>
-              <a:latin typeface="Calibri"/>
-            </a:endParaRPr>
-          </a:p>
-          <a:p>
-            <a:pPr lvl="1" marL="703080" indent="-342720">
-              <a:spcBef>
-                <a:spcPts val="1134"/>
-              </a:spcBef>
-              <a:buClr>
-                <a:srgbClr val="c00000"/>
-              </a:buClr>
-              <a:buFont typeface="Wingdings" charset="2"/>
-              <a:buChar char=""/>
-            </a:pPr>
-            <a:r>
-              <a:rPr b="0" lang="en-US" sz="2400" spc="-1" strike="noStrike">
-                <a:solidFill>
-                  <a:srgbClr val="000000"/>
-                </a:solidFill>
-                <a:latin typeface="Calibri"/>
-              </a:rPr>
-              <a:t>Level two bullet text</a:t>
-            </a:r>
-            <a:endParaRPr b="0" lang="en-US" sz="2400" spc="-1" strike="noStrike">
-              <a:solidFill>
-                <a:srgbClr val="000000"/>
-              </a:solidFill>
-              <a:latin typeface="Calibri"/>
-            </a:endParaRPr>
-          </a:p>
-          <a:p>
-            <a:pPr lvl="2" marL="1243080" indent="-179640">
-              <a:spcBef>
-                <a:spcPts val="850"/>
-              </a:spcBef>
-              <a:buClr>
-                <a:srgbClr val="a6a6a6"/>
-              </a:buClr>
-              <a:buFont typeface="Wingdings" charset="2"/>
-              <a:buChar char=""/>
-            </a:pPr>
-            <a:r>
-              <a:rPr b="0" lang="en-US" sz="2000" spc="-1" strike="noStrike">
-                <a:solidFill>
-                  <a:srgbClr val="000000"/>
-                </a:solidFill>
-                <a:latin typeface="Calibri"/>
-              </a:rPr>
-              <a:t>Level three bullet text</a:t>
-            </a:r>
-            <a:endParaRPr b="0" lang="en-US" sz="2000" spc="-1" strike="noStrike">
-              <a:solidFill>
-                <a:srgbClr val="000000"/>
-              </a:solidFill>
-              <a:latin typeface="Calibri"/>
-            </a:endParaRPr>
-          </a:p>
-        </p:txBody>
-      </p:sp>
-      <p:sp>
-        <p:nvSpPr>
-          <p:cNvPr id="100" name="TextShape 2"/>
-          <p:cNvSpPr txBox="1"/>
-          <p:nvPr/>
-        </p:nvSpPr>
-        <p:spPr>
-          <a:xfrm>
-            <a:off x="3342960" y="5968800"/>
-            <a:ext cx="6208200" cy="232920"/>
-          </a:xfrm>
-          <a:prstGeom prst="rect">
-            <a:avLst/>
-          </a:prstGeom>
-          <a:noFill/>
-          <a:ln>
-            <a:noFill/>
-          </a:ln>
-        </p:spPr>
-        <p:txBody>
-          <a:bodyPr lIns="90000" rIns="90000" tIns="45000" bIns="45000">
-            <a:noAutofit/>
-          </a:bodyPr>
-          <a:p>
-            <a:pPr algn="ctr">
-              <a:lnSpc>
-                <a:spcPct val="100000"/>
-              </a:lnSpc>
-            </a:pPr>
-            <a:r>
-              <a:rPr b="1" lang="en-CA" sz="1000" spc="599" strike="noStrike">
-                <a:solidFill>
-                  <a:srgbClr val="ffffff"/>
-                </a:solidFill>
-                <a:latin typeface="Calibri"/>
-              </a:rPr>
-              <a:t>STATISTICS CANADA   CANDEV DATA CHALLENGE</a:t>
-            </a:r>
-            <a:endParaRPr b="0" lang="en-CA" sz="1000" spc="-1" strike="noStrike">
-              <a:latin typeface="Times New Roman"/>
-            </a:endParaRPr>
-          </a:p>
-        </p:txBody>
-      </p:sp>
-      <p:sp>
-        <p:nvSpPr>
-          <p:cNvPr id="101" name="TextShape 3"/>
-          <p:cNvSpPr txBox="1"/>
-          <p:nvPr/>
-        </p:nvSpPr>
-        <p:spPr>
-          <a:xfrm>
-            <a:off x="11390400" y="5968800"/>
-            <a:ext cx="529560" cy="232920"/>
-          </a:xfrm>
-          <a:prstGeom prst="rect">
-            <a:avLst/>
-          </a:prstGeom>
-          <a:noFill/>
-          <a:ln>
-            <a:noFill/>
-          </a:ln>
-        </p:spPr>
-        <p:txBody>
-          <a:bodyPr lIns="90000" rIns="90000" tIns="45000" bIns="45000">
-            <a:noAutofit/>
-          </a:bodyPr>
-          <a:p>
-            <a:pPr algn="r">
-              <a:lnSpc>
-                <a:spcPct val="100000"/>
-              </a:lnSpc>
-            </a:pPr>
-            <a:fld id="{A3BC18EB-07FC-445A-B3F5-D0BAB0F50D1F}" type="slidenum">
-              <a:rPr b="1" lang="en-CA" sz="1000" spc="-1" strike="noStrike">
-                <a:solidFill>
-                  <a:srgbClr val="ffffff"/>
-                </a:solidFill>
-                <a:latin typeface="Calibri"/>
-              </a:rPr>
-              <a:t>&lt;number&gt;</a:t>
-            </a:fld>
-            <a:endParaRPr b="0" lang="en-CA" sz="1000" spc="-1" strike="noStrike">
-              <a:latin typeface="Times New Roman"/>
-            </a:endParaRPr>
-          </a:p>
-        </p:txBody>
-      </p:sp>
-    </p:spTree>
-  </p:cSld>
-  <mc:AlternateContent>
-    <mc:Choice Requires="p14">
-      <p:transition spd="slow" p14:dur="2000"/>
-    </mc:Choice>
-    <mc:Fallback>
-      <p:transition spd="slow"/>
-    </mc:Fallback>
-  </mc:AlternateContent>
-  <p:timing>
-    <p:tnLst>
-      <p:par>
-        <p:cTn id="11" dur="indefinite" restart="never" nodeType="tmRoot">
-          <p:childTnLst>
-            <p:seq>
-              <p:cTn id="12" dur="indefinite" nodeType="mainSeq"/>
               <p:prevCondLst>
                 <p:cond delay="0" evt="onPrev">
                   <p:tgtEl>

--- a/Presentation/cer-candev.pptx
+++ b/Presentation/cer-candev.pptx
@@ -249,7 +249,7 @@
           </a:bodyPr>
           <a:p>
             <a:pPr algn="r"/>
-            <a:fld id="{25D45818-36DF-44F1-ACD4-1182E2816269}" type="slidenum">
+            <a:fld id="{CD58DCEF-713F-48F1-A1B1-CA04C5D616BA}" type="slidenum">
               <a:rPr b="0" lang="en-CA" sz="1400" spc="-1" strike="noStrike">
                 <a:latin typeface="Times New Roman"/>
               </a:rPr>
@@ -363,7 +363,7 @@
                 <a:spcPct val="100000"/>
               </a:lnSpc>
             </a:pPr>
-            <a:fld id="{9DF48B5F-229F-458E-AE54-594A50791129}" type="slidenum">
+            <a:fld id="{53D122B3-A803-492E-B51C-DEC127246ED2}" type="slidenum">
               <a:rPr b="0" lang="en-CA" sz="1200" spc="-1" strike="noStrike">
                 <a:solidFill>
                   <a:srgbClr val="000000"/>
@@ -3343,25 +3343,7 @@
                 </a:solidFill>
                 <a:latin typeface="Arial Black"/>
               </a:rPr>
-              <a:t>Click to edit </a:t>
-            </a:r>
-            <a:r>
-              <a:rPr b="0" lang="en-US" sz="5400" spc="97" strike="noStrike">
-                <a:solidFill>
-                  <a:srgbClr val="ffffff"/>
-                </a:solidFill>
-                <a:latin typeface="Arial Black"/>
-              </a:rPr>
-              <a:t>Master title </a:t>
-            </a:r>
-            <a:r>
-              <a:rPr b="0" lang="en-US" sz="5400" spc="97" strike="noStrike">
-                <a:solidFill>
-                  <a:srgbClr val="ffffff"/>
-                </a:solidFill>
-                <a:latin typeface="Arial Black"/>
-              </a:rPr>
-              <a:t>style</a:t>
+              <a:t>Click to edit Master title style</a:t>
             </a:r>
             <a:endParaRPr b="0" lang="en-US" sz="5400" spc="-1" strike="noStrike">
               <a:solidFill>
@@ -3897,7 +3879,7 @@
                 <a:spcPct val="100000"/>
               </a:lnSpc>
             </a:pPr>
-            <a:fld id="{661E5E62-B0AC-495A-8958-26C8E64E5F14}" type="slidenum">
+            <a:fld id="{EE69AEBB-32C6-4A54-AA77-F149B939917E}" type="slidenum">
               <a:rPr b="1" lang="en-CA" sz="1000" spc="-1" strike="noStrike">
                 <a:solidFill>
                   <a:srgbClr val="ffffff"/>
@@ -4395,7 +4377,7 @@
                 <a:spcPct val="100000"/>
               </a:lnSpc>
             </a:pPr>
-            <a:fld id="{43FB7A6F-9D7C-4CEF-9F62-9C3980F13E45}" type="slidenum">
+            <a:fld id="{BF45F73A-4A4D-45DA-BEF8-BC179BBE8699}" type="slidenum">
               <a:rPr b="1" lang="en-CA" sz="1000" spc="-1" strike="noStrike">
                 <a:solidFill>
                   <a:srgbClr val="ffffff"/>
@@ -4540,7 +4522,7 @@
                 <a:spcPct val="100000"/>
               </a:lnSpc>
             </a:pPr>
-            <a:fld id="{B2D2F79D-4815-403C-B71C-2ACEAD66A204}" type="slidenum">
+            <a:fld id="{5855CC86-8B6F-4F45-8B51-72C3BF078259}" type="slidenum">
               <a:rPr b="1" lang="en-CA" sz="1000" spc="-1" strike="noStrike">
                 <a:solidFill>
                   <a:srgbClr val="ffffff"/>
@@ -4777,7 +4759,7 @@
                 <a:spcPct val="100000"/>
               </a:lnSpc>
             </a:pPr>
-            <a:fld id="{B9D434BB-1DE8-4921-BDF4-D352A4EA8CC8}" type="slidenum">
+            <a:fld id="{FBA6509B-01C7-404E-A4E6-2CA7D10DAF22}" type="slidenum">
               <a:rPr b="1" lang="en-CA" sz="1000" spc="-1" strike="noStrike">
                 <a:solidFill>
                   <a:srgbClr val="ffffff"/>
@@ -5076,7 +5058,7 @@
                 <a:spcPct val="100000"/>
               </a:lnSpc>
             </a:pPr>
-            <a:fld id="{0E898E16-66EA-47A5-807B-7B5C937B4FD0}" type="slidenum">
+            <a:fld id="{D424F24D-E36F-4ACB-A641-57A99F5452BF}" type="slidenum">
               <a:rPr b="1" lang="en-CA" sz="1000" spc="-1" strike="noStrike">
                 <a:solidFill>
                   <a:srgbClr val="ffffff"/>
